--- a/python/presentations/learning_python/14_ceda-oop.pptx
+++ b/python/presentations/learning_python/14_ceda-oop.pptx
@@ -278,7 +278,7 @@
           <a:p>
             <a:fld id="{453E1398-088F-5240-8185-1E8BB797FB4C}" type="datetimeFigureOut">
               <a:rPr lang="en-GB" smtClean="0"/>
-              <a:t>22/10/2021</a:t>
+              <a:t>17/11/2021</a:t>
             </a:fld>
             <a:endParaRPr lang="en-GB"/>
           </a:p>
@@ -4919,7 +4919,7 @@
               <a:pPr>
                 <a:defRPr/>
               </a:pPr>
-              <a:t>22/10/2021</a:t>
+              <a:t>17/11/2021</a:t>
             </a:fld>
             <a:endParaRPr lang="en-GB"/>
           </a:p>
@@ -5156,7 +5156,7 @@
               <a:pPr>
                 <a:defRPr/>
               </a:pPr>
-              <a:t>22/10/2021</a:t>
+              <a:t>17/11/2021</a:t>
             </a:fld>
             <a:endParaRPr lang="en-GB"/>
           </a:p>
@@ -5802,7 +5802,7 @@
               <a:pPr>
                 <a:defRPr/>
               </a:pPr>
-              <a:t>22/10/2021</a:t>
+              <a:t>17/11/2021</a:t>
             </a:fld>
             <a:endParaRPr lang="en-GB"/>
           </a:p>
@@ -13623,7 +13623,7 @@
           <p:nvPr/>
         </p:nvPicPr>
         <p:blipFill>
-          <a:blip r:embed="rId2">
+          <a:blip r:embed="rId2" cstate="print">
             <a:extLst>
               <a:ext uri="{28A0092B-C50C-407E-A947-70E740481C1C}">
                 <a14:useLocalDpi xmlns:a14="http://schemas.microsoft.com/office/drawing/2010/main" val="0"/>
@@ -17147,7 +17147,7 @@
           <p:nvPr/>
         </p:nvPicPr>
         <p:blipFill>
-          <a:blip r:embed="rId3">
+          <a:blip r:embed="rId3" cstate="print">
             <a:extLst>
               <a:ext uri="{28A0092B-C50C-407E-A947-70E740481C1C}">
                 <a14:useLocalDpi xmlns:a14="http://schemas.microsoft.com/office/drawing/2010/main" val="0"/>
@@ -22492,21 +22492,7 @@
                 <a:latin typeface="Courier New" panose="02070309020205020404" pitchFamily="49" charset="0"/>
                 <a:cs typeface="Courier New" panose="02070309020205020404" pitchFamily="49" charset="0"/>
               </a:rPr>
-              <a:t> = </a:t>
-            </a:r>
-            <a:r>
-              <a:rPr lang="en-US" altLang="en-US" sz="1600" dirty="0" err="1">
-                <a:latin typeface="Courier New" panose="02070309020205020404" pitchFamily="49" charset="0"/>
-                <a:cs typeface="Courier New" panose="02070309020205020404" pitchFamily="49" charset="0"/>
-              </a:rPr>
-              <a:t>DataStore</a:t>
-            </a:r>
-            <a:r>
-              <a:rPr lang="en-US" altLang="en-US" sz="1600" dirty="0">
-                <a:latin typeface="Courier New" panose="02070309020205020404" pitchFamily="49" charset="0"/>
-                <a:cs typeface="Courier New" panose="02070309020205020404" pitchFamily="49" charset="0"/>
-              </a:rPr>
-              <a:t>()</a:t>
+              <a:t> = DataStore()</a:t>
             </a:r>
             <a:br>
               <a:rPr lang="en-US" altLang="en-US" sz="1600" dirty="0">
@@ -22525,21 +22511,7 @@
                 <a:latin typeface="Courier New" panose="02070309020205020404" pitchFamily="49" charset="0"/>
                 <a:cs typeface="Courier New" panose="02070309020205020404" pitchFamily="49" charset="0"/>
               </a:rPr>
-              <a:t>for </a:t>
-            </a:r>
-            <a:r>
-              <a:rPr lang="en-US" altLang="en-US" sz="1600" dirty="0" err="1">
-                <a:latin typeface="Courier New" panose="02070309020205020404" pitchFamily="49" charset="0"/>
-                <a:cs typeface="Courier New" panose="02070309020205020404" pitchFamily="49" charset="0"/>
-              </a:rPr>
-              <a:t>i</a:t>
-            </a:r>
-            <a:r>
-              <a:rPr lang="en-US" altLang="en-US" sz="1600" dirty="0">
-                <a:latin typeface="Courier New" panose="02070309020205020404" pitchFamily="49" charset="0"/>
-                <a:cs typeface="Courier New" panose="02070309020205020404" pitchFamily="49" charset="0"/>
-              </a:rPr>
-              <a:t> in range(1,32):</a:t>
+              <a:t>for i in range(1,32):</a:t>
             </a:r>
             <a:br>
               <a:rPr lang="en-US" altLang="en-US" sz="1600" dirty="0">
@@ -22552,21 +22524,7 @@
                 <a:latin typeface="Courier New" panose="02070309020205020404" pitchFamily="49" charset="0"/>
                 <a:cs typeface="Courier New" panose="02070309020205020404" pitchFamily="49" charset="0"/>
               </a:rPr>
-              <a:t>    date = f'2021-05-{</a:t>
-            </a:r>
-            <a:r>
-              <a:rPr lang="en-US" altLang="en-US" sz="1600" dirty="0" err="1">
-                <a:latin typeface="Courier New" panose="02070309020205020404" pitchFamily="49" charset="0"/>
-                <a:cs typeface="Courier New" panose="02070309020205020404" pitchFamily="49" charset="0"/>
-              </a:rPr>
-              <a:t>i</a:t>
-            </a:r>
-            <a:r>
-              <a:rPr lang="en-US" altLang="en-US" sz="1600" dirty="0">
-                <a:latin typeface="Courier New" panose="02070309020205020404" pitchFamily="49" charset="0"/>
-                <a:cs typeface="Courier New" panose="02070309020205020404" pitchFamily="49" charset="0"/>
-              </a:rPr>
-              <a:t>}'</a:t>
+              <a:t>    date = f'2021-05-{i}'</a:t>
             </a:r>
             <a:br>
               <a:rPr lang="en-US" altLang="en-US" sz="1600" dirty="0">
@@ -22593,21 +22551,7 @@
                 <a:latin typeface="Courier New" panose="02070309020205020404" pitchFamily="49" charset="0"/>
                 <a:cs typeface="Courier New" panose="02070309020205020404" pitchFamily="49" charset="0"/>
               </a:rPr>
-              <a:t>(</a:t>
-            </a:r>
-            <a:r>
-              <a:rPr lang="en-US" altLang="en-US" sz="1600" dirty="0" err="1">
-                <a:latin typeface="Courier New" panose="02070309020205020404" pitchFamily="49" charset="0"/>
-                <a:cs typeface="Courier New" panose="02070309020205020404" pitchFamily="49" charset="0"/>
-              </a:rPr>
-              <a:t>date,i</a:t>
-            </a:r>
-            <a:r>
-              <a:rPr lang="en-US" altLang="en-US" sz="1600" dirty="0">
-                <a:latin typeface="Courier New" panose="02070309020205020404" pitchFamily="49" charset="0"/>
-                <a:cs typeface="Courier New" panose="02070309020205020404" pitchFamily="49" charset="0"/>
-              </a:rPr>
-              <a:t>)</a:t>
+              <a:t>(date, i)</a:t>
             </a:r>
             <a:br>
               <a:rPr lang="en-US" altLang="en-US" sz="1600" dirty="0">
@@ -23063,21 +23007,7 @@
                 <a:latin typeface="Courier New" panose="02070309020205020404" pitchFamily="49" charset="0"/>
                 <a:cs typeface="Courier New" panose="02070309020205020404" pitchFamily="49" charset="0"/>
               </a:rPr>
-              <a:t> = </a:t>
-            </a:r>
-            <a:r>
-              <a:rPr lang="en-US" altLang="en-US" sz="1600" dirty="0" err="1">
-                <a:latin typeface="Courier New" panose="02070309020205020404" pitchFamily="49" charset="0"/>
-                <a:cs typeface="Courier New" panose="02070309020205020404" pitchFamily="49" charset="0"/>
-              </a:rPr>
-              <a:t>DataStore</a:t>
-            </a:r>
-            <a:r>
-              <a:rPr lang="en-US" altLang="en-US" sz="1600" dirty="0">
-                <a:latin typeface="Courier New" panose="02070309020205020404" pitchFamily="49" charset="0"/>
-                <a:cs typeface="Courier New" panose="02070309020205020404" pitchFamily="49" charset="0"/>
-              </a:rPr>
-              <a:t>()</a:t>
+              <a:t> = DataStore()</a:t>
             </a:r>
             <a:br>
               <a:rPr lang="en-US" altLang="en-US" sz="1600" dirty="0">
@@ -23096,21 +23026,7 @@
                 <a:latin typeface="Courier New" panose="02070309020205020404" pitchFamily="49" charset="0"/>
                 <a:cs typeface="Courier New" panose="02070309020205020404" pitchFamily="49" charset="0"/>
               </a:rPr>
-              <a:t>for </a:t>
-            </a:r>
-            <a:r>
-              <a:rPr lang="en-US" altLang="en-US" sz="1600" dirty="0" err="1">
-                <a:latin typeface="Courier New" panose="02070309020205020404" pitchFamily="49" charset="0"/>
-                <a:cs typeface="Courier New" panose="02070309020205020404" pitchFamily="49" charset="0"/>
-              </a:rPr>
-              <a:t>i</a:t>
-            </a:r>
-            <a:r>
-              <a:rPr lang="en-US" altLang="en-US" sz="1600" dirty="0">
-                <a:latin typeface="Courier New" panose="02070309020205020404" pitchFamily="49" charset="0"/>
-                <a:cs typeface="Courier New" panose="02070309020205020404" pitchFamily="49" charset="0"/>
-              </a:rPr>
-              <a:t> in range(1,32):</a:t>
+              <a:t>for i in range(1,32):</a:t>
             </a:r>
             <a:br>
               <a:rPr lang="en-US" altLang="en-US" sz="1600" dirty="0">
@@ -23123,21 +23039,7 @@
                 <a:latin typeface="Courier New" panose="02070309020205020404" pitchFamily="49" charset="0"/>
                 <a:cs typeface="Courier New" panose="02070309020205020404" pitchFamily="49" charset="0"/>
               </a:rPr>
-              <a:t>    date = f'2021-05-{</a:t>
-            </a:r>
-            <a:r>
-              <a:rPr lang="en-US" altLang="en-US" sz="1600" dirty="0" err="1">
-                <a:latin typeface="Courier New" panose="02070309020205020404" pitchFamily="49" charset="0"/>
-                <a:cs typeface="Courier New" panose="02070309020205020404" pitchFamily="49" charset="0"/>
-              </a:rPr>
-              <a:t>i</a:t>
-            </a:r>
-            <a:r>
-              <a:rPr lang="en-US" altLang="en-US" sz="1600" dirty="0">
-                <a:latin typeface="Courier New" panose="02070309020205020404" pitchFamily="49" charset="0"/>
-                <a:cs typeface="Courier New" panose="02070309020205020404" pitchFamily="49" charset="0"/>
-              </a:rPr>
-              <a:t>}'</a:t>
+              <a:t>    date = f'2021-05-{i}'</a:t>
             </a:r>
             <a:br>
               <a:rPr lang="en-US" altLang="en-US" sz="1600" dirty="0">
@@ -23164,21 +23066,7 @@
                 <a:latin typeface="Courier New" panose="02070309020205020404" pitchFamily="49" charset="0"/>
                 <a:cs typeface="Courier New" panose="02070309020205020404" pitchFamily="49" charset="0"/>
               </a:rPr>
-              <a:t>(</a:t>
-            </a:r>
-            <a:r>
-              <a:rPr lang="en-US" altLang="en-US" sz="1600" dirty="0" err="1">
-                <a:latin typeface="Courier New" panose="02070309020205020404" pitchFamily="49" charset="0"/>
-                <a:cs typeface="Courier New" panose="02070309020205020404" pitchFamily="49" charset="0"/>
-              </a:rPr>
-              <a:t>date,i</a:t>
-            </a:r>
-            <a:r>
-              <a:rPr lang="en-US" altLang="en-US" sz="1600" dirty="0">
-                <a:latin typeface="Courier New" panose="02070309020205020404" pitchFamily="49" charset="0"/>
-                <a:cs typeface="Courier New" panose="02070309020205020404" pitchFamily="49" charset="0"/>
-              </a:rPr>
-              <a:t>)</a:t>
+              <a:t>(date, i)</a:t>
             </a:r>
             <a:br>
               <a:rPr lang="en-US" altLang="en-US" sz="1600" dirty="0">
@@ -23700,21 +23588,7 @@
                 <a:latin typeface="Courier New" panose="02070309020205020404" pitchFamily="49" charset="0"/>
                 <a:cs typeface="Courier New" panose="02070309020205020404" pitchFamily="49" charset="0"/>
               </a:rPr>
-              <a:t> = </a:t>
-            </a:r>
-            <a:r>
-              <a:rPr lang="en-US" altLang="en-US" sz="1600" dirty="0" err="1">
-                <a:latin typeface="Courier New" panose="02070309020205020404" pitchFamily="49" charset="0"/>
-                <a:cs typeface="Courier New" panose="02070309020205020404" pitchFamily="49" charset="0"/>
-              </a:rPr>
-              <a:t>DataStore</a:t>
-            </a:r>
-            <a:r>
-              <a:rPr lang="en-US" altLang="en-US" sz="1600" dirty="0">
-                <a:latin typeface="Courier New" panose="02070309020205020404" pitchFamily="49" charset="0"/>
-                <a:cs typeface="Courier New" panose="02070309020205020404" pitchFamily="49" charset="0"/>
-              </a:rPr>
-              <a:t>()</a:t>
+              <a:t> = DataStore()</a:t>
             </a:r>
             <a:br>
               <a:rPr lang="en-US" altLang="en-US" sz="1600" dirty="0">
@@ -23733,21 +23607,7 @@
                 <a:latin typeface="Courier New" panose="02070309020205020404" pitchFamily="49" charset="0"/>
                 <a:cs typeface="Courier New" panose="02070309020205020404" pitchFamily="49" charset="0"/>
               </a:rPr>
-              <a:t>for </a:t>
-            </a:r>
-            <a:r>
-              <a:rPr lang="en-US" altLang="en-US" sz="1600" dirty="0" err="1">
-                <a:latin typeface="Courier New" panose="02070309020205020404" pitchFamily="49" charset="0"/>
-                <a:cs typeface="Courier New" panose="02070309020205020404" pitchFamily="49" charset="0"/>
-              </a:rPr>
-              <a:t>i</a:t>
-            </a:r>
-            <a:r>
-              <a:rPr lang="en-US" altLang="en-US" sz="1600" dirty="0">
-                <a:latin typeface="Courier New" panose="02070309020205020404" pitchFamily="49" charset="0"/>
-                <a:cs typeface="Courier New" panose="02070309020205020404" pitchFamily="49" charset="0"/>
-              </a:rPr>
-              <a:t> in range(1,32):</a:t>
+              <a:t>for i in range(1,32):</a:t>
             </a:r>
             <a:br>
               <a:rPr lang="en-US" altLang="en-US" sz="1600" dirty="0">
@@ -23760,21 +23620,7 @@
                 <a:latin typeface="Courier New" panose="02070309020205020404" pitchFamily="49" charset="0"/>
                 <a:cs typeface="Courier New" panose="02070309020205020404" pitchFamily="49" charset="0"/>
               </a:rPr>
-              <a:t>    date = f'2021-05-{</a:t>
-            </a:r>
-            <a:r>
-              <a:rPr lang="en-US" altLang="en-US" sz="1600" dirty="0" err="1">
-                <a:latin typeface="Courier New" panose="02070309020205020404" pitchFamily="49" charset="0"/>
-                <a:cs typeface="Courier New" panose="02070309020205020404" pitchFamily="49" charset="0"/>
-              </a:rPr>
-              <a:t>i</a:t>
-            </a:r>
-            <a:r>
-              <a:rPr lang="en-US" altLang="en-US" sz="1600" dirty="0">
-                <a:latin typeface="Courier New" panose="02070309020205020404" pitchFamily="49" charset="0"/>
-                <a:cs typeface="Courier New" panose="02070309020205020404" pitchFamily="49" charset="0"/>
-              </a:rPr>
-              <a:t>}'</a:t>
+              <a:t>    date = f'2021-05-{i}'</a:t>
             </a:r>
             <a:br>
               <a:rPr lang="en-US" altLang="en-US" sz="1600" dirty="0">
@@ -23801,21 +23647,7 @@
                 <a:latin typeface="Courier New" panose="02070309020205020404" pitchFamily="49" charset="0"/>
                 <a:cs typeface="Courier New" panose="02070309020205020404" pitchFamily="49" charset="0"/>
               </a:rPr>
-              <a:t>(</a:t>
-            </a:r>
-            <a:r>
-              <a:rPr lang="en-US" altLang="en-US" sz="1600" dirty="0" err="1">
-                <a:latin typeface="Courier New" panose="02070309020205020404" pitchFamily="49" charset="0"/>
-                <a:cs typeface="Courier New" panose="02070309020205020404" pitchFamily="49" charset="0"/>
-              </a:rPr>
-              <a:t>date,i</a:t>
-            </a:r>
-            <a:r>
-              <a:rPr lang="en-US" altLang="en-US" sz="1600" dirty="0">
-                <a:latin typeface="Courier New" panose="02070309020205020404" pitchFamily="49" charset="0"/>
-                <a:cs typeface="Courier New" panose="02070309020205020404" pitchFamily="49" charset="0"/>
-              </a:rPr>
-              <a:t>)</a:t>
+              <a:t>(date, i)</a:t>
             </a:r>
             <a:br>
               <a:rPr lang="en-US" altLang="en-US" sz="1600" dirty="0">
@@ -24275,7 +24107,7 @@
           <p:nvPr/>
         </p:nvPicPr>
         <p:blipFill>
-          <a:blip r:embed="rId3">
+          <a:blip r:embed="rId3" cstate="print">
             <a:extLst>
               <a:ext uri="{28A0092B-C50C-407E-A947-70E740481C1C}">
                 <a14:useLocalDpi xmlns:a14="http://schemas.microsoft.com/office/drawing/2010/main" val="0"/>
@@ -24744,21 +24576,7 @@
                 <a:latin typeface="Courier New" panose="02070309020205020404" pitchFamily="49" charset="0"/>
                 <a:cs typeface="Courier New" panose="02070309020205020404" pitchFamily="49" charset="0"/>
               </a:rPr>
-              <a:t> = </a:t>
-            </a:r>
-            <a:r>
-              <a:rPr lang="en-US" altLang="en-US" sz="1600" dirty="0" err="1">
-                <a:latin typeface="Courier New" panose="02070309020205020404" pitchFamily="49" charset="0"/>
-                <a:cs typeface="Courier New" panose="02070309020205020404" pitchFamily="49" charset="0"/>
-              </a:rPr>
-              <a:t>DataStore</a:t>
-            </a:r>
-            <a:r>
-              <a:rPr lang="en-US" altLang="en-US" sz="1600" dirty="0">
-                <a:latin typeface="Courier New" panose="02070309020205020404" pitchFamily="49" charset="0"/>
-                <a:cs typeface="Courier New" panose="02070309020205020404" pitchFamily="49" charset="0"/>
-              </a:rPr>
-              <a:t>()</a:t>
+              <a:t> = DataStore()</a:t>
             </a:r>
             <a:br>
               <a:rPr lang="en-US" altLang="en-US" sz="1600" dirty="0">
@@ -24777,21 +24595,7 @@
                 <a:latin typeface="Courier New" panose="02070309020205020404" pitchFamily="49" charset="0"/>
                 <a:cs typeface="Courier New" panose="02070309020205020404" pitchFamily="49" charset="0"/>
               </a:rPr>
-              <a:t>for </a:t>
-            </a:r>
-            <a:r>
-              <a:rPr lang="en-US" altLang="en-US" sz="1600" dirty="0" err="1">
-                <a:latin typeface="Courier New" panose="02070309020205020404" pitchFamily="49" charset="0"/>
-                <a:cs typeface="Courier New" panose="02070309020205020404" pitchFamily="49" charset="0"/>
-              </a:rPr>
-              <a:t>i</a:t>
-            </a:r>
-            <a:r>
-              <a:rPr lang="en-US" altLang="en-US" sz="1600" dirty="0">
-                <a:latin typeface="Courier New" panose="02070309020205020404" pitchFamily="49" charset="0"/>
-                <a:cs typeface="Courier New" panose="02070309020205020404" pitchFamily="49" charset="0"/>
-              </a:rPr>
-              <a:t> in range(1,32):</a:t>
+              <a:t>for i in range(1,32):</a:t>
             </a:r>
             <a:br>
               <a:rPr lang="en-US" altLang="en-US" sz="1600" dirty="0">
@@ -24804,21 +24608,7 @@
                 <a:latin typeface="Courier New" panose="02070309020205020404" pitchFamily="49" charset="0"/>
                 <a:cs typeface="Courier New" panose="02070309020205020404" pitchFamily="49" charset="0"/>
               </a:rPr>
-              <a:t>    date = f'2021-05-{</a:t>
-            </a:r>
-            <a:r>
-              <a:rPr lang="en-US" altLang="en-US" sz="1600" dirty="0" err="1">
-                <a:latin typeface="Courier New" panose="02070309020205020404" pitchFamily="49" charset="0"/>
-                <a:cs typeface="Courier New" panose="02070309020205020404" pitchFamily="49" charset="0"/>
-              </a:rPr>
-              <a:t>i</a:t>
-            </a:r>
-            <a:r>
-              <a:rPr lang="en-US" altLang="en-US" sz="1600" dirty="0">
-                <a:latin typeface="Courier New" panose="02070309020205020404" pitchFamily="49" charset="0"/>
-                <a:cs typeface="Courier New" panose="02070309020205020404" pitchFamily="49" charset="0"/>
-              </a:rPr>
-              <a:t>}'</a:t>
+              <a:t>    date = f'2021-05-{i}'</a:t>
             </a:r>
             <a:br>
               <a:rPr lang="en-US" altLang="en-US" sz="1600" dirty="0">
@@ -24845,21 +24635,7 @@
                 <a:latin typeface="Courier New" panose="02070309020205020404" pitchFamily="49" charset="0"/>
                 <a:cs typeface="Courier New" panose="02070309020205020404" pitchFamily="49" charset="0"/>
               </a:rPr>
-              <a:t>(</a:t>
-            </a:r>
-            <a:r>
-              <a:rPr lang="en-US" altLang="en-US" sz="1600" dirty="0" err="1">
-                <a:latin typeface="Courier New" panose="02070309020205020404" pitchFamily="49" charset="0"/>
-                <a:cs typeface="Courier New" panose="02070309020205020404" pitchFamily="49" charset="0"/>
-              </a:rPr>
-              <a:t>date,i</a:t>
-            </a:r>
-            <a:r>
-              <a:rPr lang="en-US" altLang="en-US" sz="1600" dirty="0">
-                <a:latin typeface="Courier New" panose="02070309020205020404" pitchFamily="49" charset="0"/>
-                <a:cs typeface="Courier New" panose="02070309020205020404" pitchFamily="49" charset="0"/>
-              </a:rPr>
-              <a:t>)</a:t>
+              <a:t>(date, i)</a:t>
             </a:r>
             <a:br>
               <a:rPr lang="en-US" altLang="en-US" sz="1600" dirty="0">
@@ -25494,21 +25270,7 @@
                 <a:latin typeface="Courier New" panose="02070309020205020404" pitchFamily="49" charset="0"/>
                 <a:cs typeface="Courier New" panose="02070309020205020404" pitchFamily="49" charset="0"/>
               </a:rPr>
-              <a:t> = </a:t>
-            </a:r>
-            <a:r>
-              <a:rPr lang="en-US" altLang="en-US" sz="1600" dirty="0" err="1">
-                <a:latin typeface="Courier New" panose="02070309020205020404" pitchFamily="49" charset="0"/>
-                <a:cs typeface="Courier New" panose="02070309020205020404" pitchFamily="49" charset="0"/>
-              </a:rPr>
-              <a:t>DataStore</a:t>
-            </a:r>
-            <a:r>
-              <a:rPr lang="en-US" altLang="en-US" sz="1600" dirty="0">
-                <a:latin typeface="Courier New" panose="02070309020205020404" pitchFamily="49" charset="0"/>
-                <a:cs typeface="Courier New" panose="02070309020205020404" pitchFamily="49" charset="0"/>
-              </a:rPr>
-              <a:t>()</a:t>
+              <a:t> = DataStore()</a:t>
             </a:r>
             <a:br>
               <a:rPr lang="en-US" altLang="en-US" sz="1600" dirty="0">
@@ -25527,21 +25289,7 @@
                 <a:latin typeface="Courier New" panose="02070309020205020404" pitchFamily="49" charset="0"/>
                 <a:cs typeface="Courier New" panose="02070309020205020404" pitchFamily="49" charset="0"/>
               </a:rPr>
-              <a:t>for </a:t>
-            </a:r>
-            <a:r>
-              <a:rPr lang="en-US" altLang="en-US" sz="1600" dirty="0" err="1">
-                <a:latin typeface="Courier New" panose="02070309020205020404" pitchFamily="49" charset="0"/>
-                <a:cs typeface="Courier New" panose="02070309020205020404" pitchFamily="49" charset="0"/>
-              </a:rPr>
-              <a:t>i</a:t>
-            </a:r>
-            <a:r>
-              <a:rPr lang="en-US" altLang="en-US" sz="1600" dirty="0">
-                <a:latin typeface="Courier New" panose="02070309020205020404" pitchFamily="49" charset="0"/>
-                <a:cs typeface="Courier New" panose="02070309020205020404" pitchFamily="49" charset="0"/>
-              </a:rPr>
-              <a:t> in range(1,32):</a:t>
+              <a:t>for i in range(1,32):</a:t>
             </a:r>
             <a:br>
               <a:rPr lang="en-US" altLang="en-US" sz="1600" dirty="0">
@@ -25554,21 +25302,7 @@
                 <a:latin typeface="Courier New" panose="02070309020205020404" pitchFamily="49" charset="0"/>
                 <a:cs typeface="Courier New" panose="02070309020205020404" pitchFamily="49" charset="0"/>
               </a:rPr>
-              <a:t>    date = f'2021-05-{</a:t>
-            </a:r>
-            <a:r>
-              <a:rPr lang="en-US" altLang="en-US" sz="1600" dirty="0" err="1">
-                <a:latin typeface="Courier New" panose="02070309020205020404" pitchFamily="49" charset="0"/>
-                <a:cs typeface="Courier New" panose="02070309020205020404" pitchFamily="49" charset="0"/>
-              </a:rPr>
-              <a:t>i</a:t>
-            </a:r>
-            <a:r>
-              <a:rPr lang="en-US" altLang="en-US" sz="1600" dirty="0">
-                <a:latin typeface="Courier New" panose="02070309020205020404" pitchFamily="49" charset="0"/>
-                <a:cs typeface="Courier New" panose="02070309020205020404" pitchFamily="49" charset="0"/>
-              </a:rPr>
-              <a:t>}'</a:t>
+              <a:t>    date = f'2021-05-{i}'</a:t>
             </a:r>
             <a:br>
               <a:rPr lang="en-US" altLang="en-US" sz="1600" dirty="0">
@@ -25595,21 +25329,7 @@
                 <a:latin typeface="Courier New" panose="02070309020205020404" pitchFamily="49" charset="0"/>
                 <a:cs typeface="Courier New" panose="02070309020205020404" pitchFamily="49" charset="0"/>
               </a:rPr>
-              <a:t>(</a:t>
-            </a:r>
-            <a:r>
-              <a:rPr lang="en-US" altLang="en-US" sz="1600" dirty="0" err="1">
-                <a:latin typeface="Courier New" panose="02070309020205020404" pitchFamily="49" charset="0"/>
-                <a:cs typeface="Courier New" panose="02070309020205020404" pitchFamily="49" charset="0"/>
-              </a:rPr>
-              <a:t>date,i</a:t>
-            </a:r>
-            <a:r>
-              <a:rPr lang="en-US" altLang="en-US" sz="1600" dirty="0">
-                <a:latin typeface="Courier New" panose="02070309020205020404" pitchFamily="49" charset="0"/>
-                <a:cs typeface="Courier New" panose="02070309020205020404" pitchFamily="49" charset="0"/>
-              </a:rPr>
-              <a:t>)</a:t>
+              <a:t>(date, i)</a:t>
             </a:r>
             <a:br>
               <a:rPr lang="en-US" altLang="en-US" sz="1600" dirty="0">
@@ -27267,15 +26987,7 @@
             </a:pPr>
             <a:r>
               <a:rPr lang="en-US" altLang="en-US" sz="2200" dirty="0"/>
-              <a:t>Let’s make a class which converts </a:t>
-            </a:r>
-            <a:r>
-              <a:rPr lang="en-US" altLang="en-US" sz="2200" dirty="0" err="1"/>
-              <a:t>Celcius</a:t>
-            </a:r>
-            <a:r>
-              <a:rPr lang="en-US" altLang="en-US" sz="2200" dirty="0"/>
-              <a:t> measurements to Kelvin </a:t>
+              <a:t>Let’s make a class which converts Celsius measurements to Kelvin </a:t>
             </a:r>
           </a:p>
           <a:p>
@@ -27329,35 +27041,7 @@
                 <a:latin typeface="Courier New" panose="02070309020205020404" pitchFamily="49" charset="0"/>
                 <a:cs typeface="Courier New" panose="02070309020205020404" pitchFamily="49" charset="0"/>
               </a:rPr>
-              <a:t> </a:t>
-            </a:r>
-            <a:r>
-              <a:rPr lang="en-US" altLang="en-US" sz="1800" dirty="0" err="1">
-                <a:latin typeface="Courier New" panose="02070309020205020404" pitchFamily="49" charset="0"/>
-                <a:cs typeface="Courier New" panose="02070309020205020404" pitchFamily="49" charset="0"/>
-              </a:rPr>
-              <a:t>TemperatureStore</a:t>
-            </a:r>
-            <a:r>
-              <a:rPr lang="en-US" altLang="en-US" sz="1800" dirty="0">
-                <a:latin typeface="Courier New" panose="02070309020205020404" pitchFamily="49" charset="0"/>
-                <a:cs typeface="Courier New" panose="02070309020205020404" pitchFamily="49" charset="0"/>
-              </a:rPr>
-              <a:t>(</a:t>
-            </a:r>
-            <a:r>
-              <a:rPr lang="en-US" altLang="en-US" sz="1800" dirty="0" err="1">
-                <a:latin typeface="Courier New" panose="02070309020205020404" pitchFamily="49" charset="0"/>
-                <a:cs typeface="Courier New" panose="02070309020205020404" pitchFamily="49" charset="0"/>
-              </a:rPr>
-              <a:t>DataStore</a:t>
-            </a:r>
-            <a:r>
-              <a:rPr lang="en-US" altLang="en-US" sz="1800" dirty="0">
-                <a:latin typeface="Courier New" panose="02070309020205020404" pitchFamily="49" charset="0"/>
-                <a:cs typeface="Courier New" panose="02070309020205020404" pitchFamily="49" charset="0"/>
-              </a:rPr>
-              <a:t>):</a:t>
+              <a:t> TemperatureStore(DataStore):</a:t>
             </a:r>
             <a:br>
               <a:rPr lang="en-US" altLang="en-US" sz="1800" dirty="0">
@@ -28120,12 +27804,8 @@
               <a:buNone/>
             </a:pPr>
             <a:r>
-              <a:rPr lang="en-US" altLang="en-US" sz="2200" dirty="0" err="1"/>
-              <a:t>TemperatureStore</a:t>
-            </a:r>
-            <a:r>
               <a:rPr lang="en-US" altLang="en-US" sz="2200" dirty="0"/>
-              <a:t> </a:t>
+              <a:t>TemperatureStore </a:t>
             </a:r>
             <a:r>
               <a:rPr lang="en-US" altLang="en-US" sz="2200" b="1" dirty="0"/>
@@ -28133,13 +27813,8 @@
             </a:r>
             <a:r>
               <a:rPr lang="en-US" altLang="en-US" sz="2200" dirty="0"/>
-              <a:t>from </a:t>
-            </a:r>
-            <a:r>
-              <a:rPr lang="en-US" altLang="en-US" sz="2200" dirty="0" err="1"/>
-              <a:t>DataStore</a:t>
-            </a:r>
-            <a:endParaRPr lang="en-US" altLang="en-US" sz="2200" dirty="0"/>
+              <a:t>from DataStore</a:t>
+            </a:r>
           </a:p>
           <a:p>
             <a:pPr eaLnBrk="1" hangingPunct="1">
@@ -28153,12 +27828,8 @@
               <a:buNone/>
             </a:pPr>
             <a:r>
-              <a:rPr lang="en-US" altLang="en-US" sz="2200" dirty="0" err="1"/>
-              <a:t>TemperatureStore</a:t>
-            </a:r>
-            <a:r>
               <a:rPr lang="en-US" altLang="en-US" sz="2200" dirty="0"/>
-              <a:t> </a:t>
+              <a:t>TemperatureStore </a:t>
             </a:r>
             <a:r>
               <a:rPr lang="en-US" altLang="en-US" sz="2200" b="1" dirty="0"/>
@@ -28166,13 +27837,8 @@
             </a:r>
             <a:r>
               <a:rPr lang="en-US" altLang="en-US" sz="2200" dirty="0"/>
-              <a:t> </a:t>
-            </a:r>
-            <a:r>
-              <a:rPr lang="en-US" altLang="en-US" sz="2200" dirty="0" err="1"/>
-              <a:t>DataStore</a:t>
-            </a:r>
-            <a:endParaRPr lang="en-US" altLang="en-US" sz="2200" dirty="0"/>
+              <a:t> DataStore</a:t>
+            </a:r>
           </a:p>
           <a:p>
             <a:pPr eaLnBrk="1" hangingPunct="1">
@@ -28736,19 +28402,8 @@
                 <a:latin typeface="Courier New" panose="02070309020205020404" pitchFamily="49" charset="0"/>
                 <a:cs typeface="Courier New" panose="02070309020205020404" pitchFamily="49" charset="0"/>
               </a:rPr>
-              <a:t> import </a:t>
-            </a:r>
-            <a:r>
-              <a:rPr lang="en-US" altLang="en-US" sz="1800" dirty="0" err="1">
-                <a:latin typeface="Courier New" panose="02070309020205020404" pitchFamily="49" charset="0"/>
-                <a:cs typeface="Courier New" panose="02070309020205020404" pitchFamily="49" charset="0"/>
-              </a:rPr>
-              <a:t>DataStore</a:t>
-            </a:r>
-            <a:endParaRPr lang="en-US" altLang="en-US" sz="1800" dirty="0">
-              <a:latin typeface="Courier New" panose="02070309020205020404" pitchFamily="49" charset="0"/>
-              <a:cs typeface="Courier New" panose="02070309020205020404" pitchFamily="49" charset="0"/>
-            </a:endParaRPr>
+              <a:t> import DataStore</a:t>
+            </a:r>
           </a:p>
           <a:p>
             <a:pPr eaLnBrk="1" hangingPunct="1">
@@ -28766,21 +28421,7 @@
                 <a:latin typeface="Courier New" panose="02070309020205020404" pitchFamily="49" charset="0"/>
                 <a:cs typeface="Courier New" panose="02070309020205020404" pitchFamily="49" charset="0"/>
               </a:rPr>
-              <a:t>&gt;&gt;&gt; ds = </a:t>
-            </a:r>
-            <a:r>
-              <a:rPr lang="en-US" altLang="en-US" sz="1800" dirty="0" err="1">
-                <a:latin typeface="Courier New" panose="02070309020205020404" pitchFamily="49" charset="0"/>
-                <a:cs typeface="Courier New" panose="02070309020205020404" pitchFamily="49" charset="0"/>
-              </a:rPr>
-              <a:t>DataStore</a:t>
-            </a:r>
-            <a:r>
-              <a:rPr lang="en-US" altLang="en-US" sz="1800" dirty="0">
-                <a:latin typeface="Courier New" panose="02070309020205020404" pitchFamily="49" charset="0"/>
-                <a:cs typeface="Courier New" panose="02070309020205020404" pitchFamily="49" charset="0"/>
-              </a:rPr>
-              <a:t>()</a:t>
+              <a:t>&gt;&gt;&gt; ds = DataStore()</a:t>
             </a:r>
           </a:p>
           <a:p>
@@ -28830,7 +28471,7 @@
                 <a:latin typeface="Courier New" panose="02070309020205020404" pitchFamily="49" charset="0"/>
                 <a:cs typeface="Courier New" panose="02070309020205020404" pitchFamily="49" charset="0"/>
               </a:rPr>
-              <a:t>,</a:t>
+              <a:t>, </a:t>
             </a:r>
             <a:r>
               <a:rPr lang="en-US" altLang="en-US" sz="1800" dirty="0">
@@ -28980,21 +28621,7 @@
                 <a:latin typeface="Courier New" panose="02070309020205020404" pitchFamily="49" charset="0"/>
                 <a:cs typeface="Courier New" panose="02070309020205020404" pitchFamily="49" charset="0"/>
               </a:rPr>
-              <a:t> = </a:t>
-            </a:r>
-            <a:r>
-              <a:rPr lang="en-US" altLang="en-US" sz="1800" dirty="0" err="1">
-                <a:latin typeface="Courier New" panose="02070309020205020404" pitchFamily="49" charset="0"/>
-                <a:cs typeface="Courier New" panose="02070309020205020404" pitchFamily="49" charset="0"/>
-              </a:rPr>
-              <a:t>TemperatureStore</a:t>
-            </a:r>
-            <a:r>
-              <a:rPr lang="en-US" altLang="en-US" sz="1800" dirty="0">
-                <a:latin typeface="Courier New" panose="02070309020205020404" pitchFamily="49" charset="0"/>
-                <a:cs typeface="Courier New" panose="02070309020205020404" pitchFamily="49" charset="0"/>
-              </a:rPr>
-              <a:t>()</a:t>
+              <a:t> = TemperatureStore()</a:t>
             </a:r>
           </a:p>
           <a:p>
@@ -29044,7 +28671,7 @@
                 <a:latin typeface="Courier New" panose="02070309020205020404" pitchFamily="49" charset="0"/>
                 <a:cs typeface="Courier New" panose="02070309020205020404" pitchFamily="49" charset="0"/>
               </a:rPr>
-              <a:t>,</a:t>
+              <a:t>, </a:t>
             </a:r>
             <a:r>
               <a:rPr lang="en-US" altLang="en-US" sz="1800" dirty="0">
@@ -29098,8 +28725,8 @@
           </a:xfrm>
           <a:prstGeom prst="wedgeRectCallout">
             <a:avLst>
-              <a:gd name="adj1" fmla="val -68204"/>
-              <a:gd name="adj2" fmla="val 23206"/>
+              <a:gd name="adj1" fmla="val -63073"/>
+              <a:gd name="adj2" fmla="val 27246"/>
             </a:avLst>
           </a:prstGeom>
         </p:spPr>
@@ -29956,19 +29583,8 @@
                 <a:latin typeface="Courier New" panose="02070309020205020404" pitchFamily="49" charset="0"/>
                 <a:cs typeface="Courier New" panose="02070309020205020404" pitchFamily="49" charset="0"/>
               </a:rPr>
-              <a:t> import </a:t>
-            </a:r>
-            <a:r>
-              <a:rPr lang="en-US" altLang="en-US" sz="1800" dirty="0" err="1">
-                <a:latin typeface="Courier New" panose="02070309020205020404" pitchFamily="49" charset="0"/>
-                <a:cs typeface="Courier New" panose="02070309020205020404" pitchFamily="49" charset="0"/>
-              </a:rPr>
-              <a:t>DataStore</a:t>
-            </a:r>
-            <a:endParaRPr lang="en-US" altLang="en-US" sz="1800" dirty="0">
-              <a:latin typeface="Courier New" panose="02070309020205020404" pitchFamily="49" charset="0"/>
-              <a:cs typeface="Courier New" panose="02070309020205020404" pitchFamily="49" charset="0"/>
-            </a:endParaRPr>
+              <a:t> import DataStore</a:t>
+            </a:r>
           </a:p>
           <a:p>
             <a:pPr eaLnBrk="1" hangingPunct="1">
@@ -29986,21 +29602,7 @@
                 <a:latin typeface="Courier New" panose="02070309020205020404" pitchFamily="49" charset="0"/>
                 <a:cs typeface="Courier New" panose="02070309020205020404" pitchFamily="49" charset="0"/>
               </a:rPr>
-              <a:t>&gt;&gt;&gt; ds = </a:t>
-            </a:r>
-            <a:r>
-              <a:rPr lang="en-US" altLang="en-US" sz="1800" dirty="0" err="1">
-                <a:latin typeface="Courier New" panose="02070309020205020404" pitchFamily="49" charset="0"/>
-                <a:cs typeface="Courier New" panose="02070309020205020404" pitchFamily="49" charset="0"/>
-              </a:rPr>
-              <a:t>DataStore</a:t>
-            </a:r>
-            <a:r>
-              <a:rPr lang="en-US" altLang="en-US" sz="1800" dirty="0">
-                <a:latin typeface="Courier New" panose="02070309020205020404" pitchFamily="49" charset="0"/>
-                <a:cs typeface="Courier New" panose="02070309020205020404" pitchFamily="49" charset="0"/>
-              </a:rPr>
-              <a:t>()</a:t>
+              <a:t>&gt;&gt;&gt; ds = DataStore()</a:t>
             </a:r>
           </a:p>
           <a:p>
@@ -30050,7 +29652,7 @@
                 <a:latin typeface="Courier New" panose="02070309020205020404" pitchFamily="49" charset="0"/>
                 <a:cs typeface="Courier New" panose="02070309020205020404" pitchFamily="49" charset="0"/>
               </a:rPr>
-              <a:t>,</a:t>
+              <a:t>, </a:t>
             </a:r>
             <a:r>
               <a:rPr lang="en-US" altLang="en-US" sz="1800" dirty="0">
@@ -30200,21 +29802,7 @@
                 <a:latin typeface="Courier New" panose="02070309020205020404" pitchFamily="49" charset="0"/>
                 <a:cs typeface="Courier New" panose="02070309020205020404" pitchFamily="49" charset="0"/>
               </a:rPr>
-              <a:t> = </a:t>
-            </a:r>
-            <a:r>
-              <a:rPr lang="en-US" altLang="en-US" sz="1800" dirty="0" err="1">
-                <a:latin typeface="Courier New" panose="02070309020205020404" pitchFamily="49" charset="0"/>
-                <a:cs typeface="Courier New" panose="02070309020205020404" pitchFamily="49" charset="0"/>
-              </a:rPr>
-              <a:t>TemperatureStore</a:t>
-            </a:r>
-            <a:r>
-              <a:rPr lang="en-US" altLang="en-US" sz="1800" dirty="0">
-                <a:latin typeface="Courier New" panose="02070309020205020404" pitchFamily="49" charset="0"/>
-                <a:cs typeface="Courier New" panose="02070309020205020404" pitchFamily="49" charset="0"/>
-              </a:rPr>
-              <a:t>()</a:t>
+              <a:t> = TemperatureStore()</a:t>
             </a:r>
           </a:p>
           <a:p>
@@ -30264,7 +29852,7 @@
                 <a:latin typeface="Courier New" panose="02070309020205020404" pitchFamily="49" charset="0"/>
                 <a:cs typeface="Courier New" panose="02070309020205020404" pitchFamily="49" charset="0"/>
               </a:rPr>
-              <a:t>,</a:t>
+              <a:t>, </a:t>
             </a:r>
             <a:r>
               <a:rPr lang="en-US" altLang="en-US" sz="1800" dirty="0">
@@ -30824,19 +30412,8 @@
                 <a:latin typeface="Courier New" panose="02070309020205020404" pitchFamily="49" charset="0"/>
                 <a:cs typeface="Courier New" panose="02070309020205020404" pitchFamily="49" charset="0"/>
               </a:rPr>
-              <a:t> import </a:t>
-            </a:r>
-            <a:r>
-              <a:rPr lang="en-US" altLang="en-US" sz="1800" dirty="0" err="1">
-                <a:latin typeface="Courier New" panose="02070309020205020404" pitchFamily="49" charset="0"/>
-                <a:cs typeface="Courier New" panose="02070309020205020404" pitchFamily="49" charset="0"/>
-              </a:rPr>
-              <a:t>DataStore</a:t>
-            </a:r>
-            <a:endParaRPr lang="en-US" altLang="en-US" sz="1800" dirty="0">
-              <a:latin typeface="Courier New" panose="02070309020205020404" pitchFamily="49" charset="0"/>
-              <a:cs typeface="Courier New" panose="02070309020205020404" pitchFamily="49" charset="0"/>
-            </a:endParaRPr>
+              <a:t> import DataStore</a:t>
+            </a:r>
           </a:p>
           <a:p>
             <a:pPr eaLnBrk="1" hangingPunct="1">
@@ -30854,21 +30431,7 @@
                 <a:latin typeface="Courier New" panose="02070309020205020404" pitchFamily="49" charset="0"/>
                 <a:cs typeface="Courier New" panose="02070309020205020404" pitchFamily="49" charset="0"/>
               </a:rPr>
-              <a:t>&gt;&gt;&gt; ds = </a:t>
-            </a:r>
-            <a:r>
-              <a:rPr lang="en-US" altLang="en-US" sz="1800" dirty="0" err="1">
-                <a:latin typeface="Courier New" panose="02070309020205020404" pitchFamily="49" charset="0"/>
-                <a:cs typeface="Courier New" panose="02070309020205020404" pitchFamily="49" charset="0"/>
-              </a:rPr>
-              <a:t>DataStore</a:t>
-            </a:r>
-            <a:r>
-              <a:rPr lang="en-US" altLang="en-US" sz="1800" dirty="0">
-                <a:latin typeface="Courier New" panose="02070309020205020404" pitchFamily="49" charset="0"/>
-                <a:cs typeface="Courier New" panose="02070309020205020404" pitchFamily="49" charset="0"/>
-              </a:rPr>
-              <a:t>()</a:t>
+              <a:t>&gt;&gt;&gt; ds = DataStore()</a:t>
             </a:r>
           </a:p>
           <a:p>
@@ -30918,7 +30481,7 @@
                 <a:latin typeface="Courier New" panose="02070309020205020404" pitchFamily="49" charset="0"/>
                 <a:cs typeface="Courier New" panose="02070309020205020404" pitchFamily="49" charset="0"/>
               </a:rPr>
-              <a:t>,</a:t>
+              <a:t>, </a:t>
             </a:r>
             <a:r>
               <a:rPr lang="en-US" altLang="en-US" sz="1800" dirty="0">
@@ -31068,21 +30631,7 @@
                 <a:latin typeface="Courier New" panose="02070309020205020404" pitchFamily="49" charset="0"/>
                 <a:cs typeface="Courier New" panose="02070309020205020404" pitchFamily="49" charset="0"/>
               </a:rPr>
-              <a:t> = </a:t>
-            </a:r>
-            <a:r>
-              <a:rPr lang="en-US" altLang="en-US" sz="1800" dirty="0" err="1">
-                <a:latin typeface="Courier New" panose="02070309020205020404" pitchFamily="49" charset="0"/>
-                <a:cs typeface="Courier New" panose="02070309020205020404" pitchFamily="49" charset="0"/>
-              </a:rPr>
-              <a:t>TemperatureStore</a:t>
-            </a:r>
-            <a:r>
-              <a:rPr lang="en-US" altLang="en-US" sz="1800" dirty="0">
-                <a:latin typeface="Courier New" panose="02070309020205020404" pitchFamily="49" charset="0"/>
-                <a:cs typeface="Courier New" panose="02070309020205020404" pitchFamily="49" charset="0"/>
-              </a:rPr>
-              <a:t>()</a:t>
+              <a:t> = TemperatureStore()</a:t>
             </a:r>
           </a:p>
           <a:p>
@@ -31132,7 +30681,7 @@
                 <a:latin typeface="Courier New" panose="02070309020205020404" pitchFamily="49" charset="0"/>
                 <a:cs typeface="Courier New" panose="02070309020205020404" pitchFamily="49" charset="0"/>
               </a:rPr>
-              <a:t>,</a:t>
+              <a:t>, </a:t>
             </a:r>
             <a:r>
               <a:rPr lang="en-US" altLang="en-US" sz="1800" dirty="0">
@@ -31233,13 +30782,13 @@
         </p:nvSpPr>
         <p:spPr>
           <a:xfrm>
-            <a:off x="5436096" y="4868862"/>
-            <a:ext cx="3600400" cy="1143000"/>
+            <a:off x="4644008" y="5013176"/>
+            <a:ext cx="4392488" cy="998686"/>
           </a:xfrm>
           <a:prstGeom prst="wedgeRectCallout">
             <a:avLst>
-              <a:gd name="adj1" fmla="val -86681"/>
-              <a:gd name="adj2" fmla="val -1064"/>
+              <a:gd name="adj1" fmla="val -87695"/>
+              <a:gd name="adj2" fmla="val -10537"/>
             </a:avLst>
           </a:prstGeom>
         </p:spPr>
@@ -31274,10 +30823,10 @@
             </a:r>
             <a:r>
               <a:rPr lang="en-GB" dirty="0"/>
-              <a:t>from </a:t>
-            </a:r>
-            <a:r>
-              <a:rPr lang="en-GB" dirty="0" err="1"/>
+              <a:t>from the </a:t>
+            </a:r>
+            <a:r>
+              <a:rPr lang="en-GB" i="1" dirty="0"/>
               <a:t>TemperatureStore</a:t>
             </a:r>
             <a:r>
@@ -31889,7 +31438,7 @@
           <p:nvPr/>
         </p:nvPicPr>
         <p:blipFill>
-          <a:blip r:embed="rId3">
+          <a:blip r:embed="rId3" cstate="print">
             <a:extLst>
               <a:ext uri="{28A0092B-C50C-407E-A947-70E740481C1C}">
                 <a14:useLocalDpi xmlns:a14="http://schemas.microsoft.com/office/drawing/2010/main" val="0"/>
@@ -32033,7 +31582,7 @@
         </p:nvSpPr>
         <p:spPr>
           <a:xfrm>
-            <a:off x="467544" y="1700808"/>
+            <a:off x="451128" y="1248996"/>
             <a:ext cx="8352928" cy="1446550"/>
           </a:xfrm>
           <a:prstGeom prst="rect">
@@ -32047,27 +31596,33 @@
           </a:bodyPr>
           <a:lstStyle/>
           <a:p>
+            <a:pPr marL="342900" indent="-342900">
+              <a:buFont typeface="Arial" panose="020B0604020202020204" pitchFamily="34" charset="0"/>
+              <a:buChar char="•"/>
+            </a:pPr>
             <a:r>
               <a:rPr lang="en-GB" sz="2200" dirty="0"/>
               <a:t>Nothing is free</a:t>
             </a:r>
           </a:p>
           <a:p>
+            <a:pPr marL="342900" indent="-342900">
+              <a:buFont typeface="Arial" panose="020B0604020202020204" pitchFamily="34" charset="0"/>
+              <a:buChar char="•"/>
+            </a:pPr>
             <a:r>
               <a:rPr lang="en-GB" sz="2200" dirty="0"/>
               <a:t>Simple programs become slightly more complex</a:t>
             </a:r>
           </a:p>
           <a:p>
+            <a:pPr marL="342900" indent="-342900">
+              <a:buFont typeface="Arial" panose="020B0604020202020204" pitchFamily="34" charset="0"/>
+              <a:buChar char="•"/>
+            </a:pPr>
             <a:r>
               <a:rPr lang="en-GB" sz="2200" dirty="0"/>
-              <a:t>And too much abstraction creates as big a mental</a:t>
-            </a:r>
-          </a:p>
-          <a:p>
-            <a:r>
-              <a:rPr lang="en-GB" sz="2200" dirty="0"/>
-              <a:t>burden as too little</a:t>
+              <a:t>Too much abstraction creates as big a mental burden as too little</a:t>
             </a:r>
           </a:p>
         </p:txBody>
@@ -32086,7 +31641,7 @@
         </p:nvGrpSpPr>
         <p:grpSpPr>
           <a:xfrm>
-            <a:off x="1833562" y="3147358"/>
+            <a:off x="1403648" y="2823275"/>
             <a:ext cx="6770688" cy="3306763"/>
             <a:chOff x="2905125" y="3527425"/>
             <a:chExt cx="6770688" cy="3306763"/>
@@ -32869,7 +32424,7 @@
           <p:nvPr/>
         </p:nvPicPr>
         <p:blipFill>
-          <a:blip r:embed="rId2">
+          <a:blip r:embed="rId2" cstate="print">
             <a:extLst>
               <a:ext uri="{28A0092B-C50C-407E-A947-70E740481C1C}">
                 <a14:useLocalDpi xmlns:a14="http://schemas.microsoft.com/office/drawing/2010/main" val="0"/>
@@ -33024,37 +32579,6 @@
                                   </p:childTnLst>
                                 </p:cTn>
                               </p:par>
-                              <p:par>
-                                <p:cTn id="11" presetID="1" presetClass="entr" presetSubtype="0" fill="hold" grpId="0" nodeType="withEffect">
-                                  <p:stCondLst>
-                                    <p:cond delay="0"/>
-                                  </p:stCondLst>
-                                  <p:childTnLst>
-                                    <p:set>
-                                      <p:cBhvr>
-                                        <p:cTn id="12" dur="1" fill="hold">
-                                          <p:stCondLst>
-                                            <p:cond delay="0"/>
-                                          </p:stCondLst>
-                                        </p:cTn>
-                                        <p:tgtEl>
-                                          <p:spTgt spid="2">
-                                            <p:txEl>
-                                              <p:pRg st="3" end="3"/>
-                                            </p:txEl>
-                                          </p:spTgt>
-                                        </p:tgtEl>
-                                        <p:attrNameLst>
-                                          <p:attrName>style.visibility</p:attrName>
-                                        </p:attrNameLst>
-                                      </p:cBhvr>
-                                      <p:to>
-                                        <p:strVal val="visible"/>
-                                      </p:to>
-                                    </p:set>
-                                  </p:childTnLst>
-                                </p:cTn>
-                              </p:par>
                             </p:childTnLst>
                           </p:cTn>
                         </p:par>
@@ -33062,26 +32586,26 @@
                     </p:cTn>
                   </p:par>
                   <p:par>
-                    <p:cTn id="13" fill="hold">
+                    <p:cTn id="11" fill="hold">
                       <p:stCondLst>
                         <p:cond delay="indefinite"/>
                       </p:stCondLst>
                       <p:childTnLst>
                         <p:par>
-                          <p:cTn id="14" fill="hold">
+                          <p:cTn id="12" fill="hold">
                             <p:stCondLst>
                               <p:cond delay="0"/>
                             </p:stCondLst>
                             <p:childTnLst>
                               <p:par>
-                                <p:cTn id="15" presetID="1" presetClass="entr" presetSubtype="0" fill="hold" nodeType="clickEffect">
+                                <p:cTn id="13" presetID="1" presetClass="entr" presetSubtype="0" fill="hold" nodeType="clickEffect">
                                   <p:stCondLst>
                                     <p:cond delay="0"/>
                                   </p:stCondLst>
                                   <p:childTnLst>
                                     <p:set>
                                       <p:cBhvr>
-                                        <p:cTn id="16" dur="1" fill="hold">
+                                        <p:cTn id="14" dur="1" fill="hold">
                                           <p:stCondLst>
                                             <p:cond delay="0"/>
                                           </p:stCondLst>
@@ -34963,7 +34487,7 @@
           <p:nvPr/>
         </p:nvPicPr>
         <p:blipFill>
-          <a:blip r:embed="rId3">
+          <a:blip r:embed="rId3" cstate="print">
             <a:extLst>
               <a:ext uri="{28A0092B-C50C-407E-A947-70E740481C1C}">
                 <a14:useLocalDpi xmlns:a14="http://schemas.microsoft.com/office/drawing/2010/main" val="0"/>
@@ -35910,7 +35434,7 @@
           <p:nvPr/>
         </p:nvPicPr>
         <p:blipFill>
-          <a:blip r:embed="rId3">
+          <a:blip r:embed="rId3" cstate="print">
             <a:extLst>
               <a:ext uri="{28A0092B-C50C-407E-A947-70E740481C1C}">
                 <a14:useLocalDpi xmlns:a14="http://schemas.microsoft.com/office/drawing/2010/main" val="0"/>
@@ -36876,7 +36400,7 @@
           <p:nvPr/>
         </p:nvPicPr>
         <p:blipFill>
-          <a:blip r:embed="rId3">
+          <a:blip r:embed="rId3" cstate="print">
             <a:extLst>
               <a:ext uri="{28A0092B-C50C-407E-A947-70E740481C1C}">
                 <a14:useLocalDpi xmlns:a14="http://schemas.microsoft.com/office/drawing/2010/main" val="0"/>
@@ -37861,7 +37385,7 @@
           <p:nvPr/>
         </p:nvPicPr>
         <p:blipFill>
-          <a:blip r:embed="rId3">
+          <a:blip r:embed="rId3" cstate="print">
             <a:extLst>
               <a:ext uri="{28A0092B-C50C-407E-A947-70E740481C1C}">
                 <a14:useLocalDpi xmlns:a14="http://schemas.microsoft.com/office/drawing/2010/main" val="0"/>
@@ -38868,7 +38392,7 @@
           <p:nvPr/>
         </p:nvPicPr>
         <p:blipFill>
-          <a:blip r:embed="rId3">
+          <a:blip r:embed="rId3" cstate="print">
             <a:extLst>
               <a:ext uri="{28A0092B-C50C-407E-A947-70E740481C1C}">
                 <a14:useLocalDpi xmlns:a14="http://schemas.microsoft.com/office/drawing/2010/main" val="0"/>

--- a/python/presentations/learning_python/14_ceda-oop.pptx
+++ b/python/presentations/learning_python/14_ceda-oop.pptx
@@ -278,7 +278,7 @@
           <a:p>
             <a:fld id="{453E1398-088F-5240-8185-1E8BB797FB4C}" type="datetimeFigureOut">
               <a:rPr lang="en-GB" smtClean="0"/>
-              <a:t>17/11/2021</a:t>
+              <a:t>25/11/2021</a:t>
             </a:fld>
             <a:endParaRPr lang="en-GB"/>
           </a:p>
@@ -4919,7 +4919,7 @@
               <a:pPr>
                 <a:defRPr/>
               </a:pPr>
-              <a:t>17/11/2021</a:t>
+              <a:t>25/11/2021</a:t>
             </a:fld>
             <a:endParaRPr lang="en-GB"/>
           </a:p>
@@ -5156,7 +5156,7 @@
               <a:pPr>
                 <a:defRPr/>
               </a:pPr>
-              <a:t>17/11/2021</a:t>
+              <a:t>25/11/2021</a:t>
             </a:fld>
             <a:endParaRPr lang="en-GB"/>
           </a:p>
@@ -5802,7 +5802,7 @@
               <a:pPr>
                 <a:defRPr/>
               </a:pPr>
-              <a:t>17/11/2021</a:t>
+              <a:t>25/11/2021</a:t>
             </a:fld>
             <a:endParaRPr lang="en-GB"/>
           </a:p>
@@ -21787,7 +21787,7 @@
                 <a:latin typeface="Courier New" panose="02070309020205020404" pitchFamily="49" charset="0"/>
                 <a:cs typeface="Courier New" panose="02070309020205020404" pitchFamily="49" charset="0"/>
               </a:rPr>
-              <a:t> in range(0,31):</a:t>
+              <a:t> in range(1,32):</a:t>
             </a:r>
             <a:br>
               <a:rPr lang="en-US" altLang="en-US" sz="1600" dirty="0">

--- a/python/presentations/learning_python/14_ceda-oop.pptx
+++ b/python/presentations/learning_python/14_ceda-oop.pptx
@@ -278,7 +278,7 @@
           <a:p>
             <a:fld id="{453E1398-088F-5240-8185-1E8BB797FB4C}" type="datetimeFigureOut">
               <a:rPr lang="en-GB" smtClean="0"/>
-              <a:t>25/11/2021</a:t>
+              <a:t>26/11/2021</a:t>
             </a:fld>
             <a:endParaRPr lang="en-GB"/>
           </a:p>
@@ -4919,7 +4919,7 @@
               <a:pPr>
                 <a:defRPr/>
               </a:pPr>
-              <a:t>25/11/2021</a:t>
+              <a:t>26/11/2021</a:t>
             </a:fld>
             <a:endParaRPr lang="en-GB"/>
           </a:p>
@@ -5156,7 +5156,7 @@
               <a:pPr>
                 <a:defRPr/>
               </a:pPr>
-              <a:t>25/11/2021</a:t>
+              <a:t>26/11/2021</a:t>
             </a:fld>
             <a:endParaRPr lang="en-GB"/>
           </a:p>
@@ -5802,7 +5802,7 @@
               <a:pPr>
                 <a:defRPr/>
               </a:pPr>
-              <a:t>25/11/2021</a:t>
+              <a:t>26/11/2021</a:t>
             </a:fld>
             <a:endParaRPr lang="en-GB"/>
           </a:p>
@@ -11138,7 +11138,7 @@
                 <a:latin typeface="Courier New" pitchFamily="49" charset="0"/>
                 <a:cs typeface="Courier New" pitchFamily="49" charset="0"/>
               </a:rPr>
-              <a:t>	"A class above the rest"</a:t>
+              <a:t>	”””A class above the rest”””</a:t>
             </a:r>
           </a:p>
           <a:p>
@@ -15592,7 +15592,7 @@
                 <a:latin typeface="Courier New" pitchFamily="49" charset="0"/>
                 <a:cs typeface="Courier New" pitchFamily="49" charset="0"/>
               </a:rPr>
-              <a:t>	"A class above the rest"</a:t>
+              <a:t>	”””A class above the rest”””</a:t>
             </a:r>
           </a:p>
           <a:p>
@@ -16089,7 +16089,7 @@
                 <a:latin typeface="Courier New" pitchFamily="49" charset="0"/>
                 <a:cs typeface="Courier New" pitchFamily="49" charset="0"/>
               </a:rPr>
-              <a:t>	"A class above the rest"</a:t>
+              <a:t>	“””A class above the rest”””</a:t>
             </a:r>
           </a:p>
           <a:p>
@@ -16723,7 +16723,7 @@
                 <a:latin typeface="Courier New" pitchFamily="49" charset="0"/>
                 <a:cs typeface="Courier New" pitchFamily="49" charset="0"/>
               </a:rPr>
-              <a:t>	"A class above the rest"</a:t>
+              <a:t>	”””A class above the rest”””</a:t>
             </a:r>
           </a:p>
           <a:p>
@@ -17652,7 +17652,7 @@
                 <a:latin typeface="Courier New" pitchFamily="49" charset="0"/>
                 <a:cs typeface="Courier New" pitchFamily="49" charset="0"/>
               </a:rPr>
-              <a:t>	"A class above the rest"</a:t>
+              <a:t>	”””A class above the rest”””</a:t>
             </a:r>
           </a:p>
           <a:p>
@@ -18314,7 +18314,7 @@
                 <a:latin typeface="Courier New" pitchFamily="49" charset="0"/>
                 <a:cs typeface="Courier New" pitchFamily="49" charset="0"/>
               </a:rPr>
-              <a:t>	"A class above the rest"</a:t>
+              <a:t>	”””A class above the rest”””</a:t>
             </a:r>
           </a:p>
           <a:p>

--- a/python/presentations/learning_python/14_ceda-oop.pptx
+++ b/python/presentations/learning_python/14_ceda-oop.pptx
@@ -27120,7 +27120,7 @@
                 <a:latin typeface="Courier New" panose="02070309020205020404" pitchFamily="49" charset="0"/>
                 <a:cs typeface="Courier New" panose="02070309020205020404" pitchFamily="49" charset="0"/>
               </a:rPr>
-              <a:t>        value += 272.15</a:t>
+              <a:t>        value += 273.15</a:t>
             </a:r>
             <a:br>
               <a:rPr lang="en-US" altLang="en-US" sz="1800" dirty="0">
@@ -29917,12 +29917,16 @@
               <a:buNone/>
             </a:pPr>
             <a:r>
-              <a:rPr lang="en-US" altLang="en-US" sz="1800" dirty="0">
-                <a:latin typeface="Courier New" panose="02070309020205020404" pitchFamily="49" charset="0"/>
-                <a:cs typeface="Courier New" panose="02070309020205020404" pitchFamily="49" charset="0"/>
-              </a:rPr>
-              <a:t>2021-05-01 277.15</a:t>
-            </a:r>
+              <a:rPr lang="en-US" altLang="en-US" sz="1800">
+                <a:latin typeface="Courier New" panose="02070309020205020404" pitchFamily="49" charset="0"/>
+                <a:cs typeface="Courier New" panose="02070309020205020404" pitchFamily="49" charset="0"/>
+              </a:rPr>
+              <a:t>2021-05-01 278.15</a:t>
+            </a:r>
+            <a:endParaRPr lang="en-US" altLang="en-US" sz="1800" dirty="0">
+              <a:latin typeface="Courier New" panose="02070309020205020404" pitchFamily="49" charset="0"/>
+              <a:cs typeface="Courier New" panose="02070309020205020404" pitchFamily="49" charset="0"/>
+            </a:endParaRPr>
           </a:p>
           <a:p>
             <a:pPr eaLnBrk="1" hangingPunct="1">
